--- a/ISB_Forecasting_Tutorials.pptx
+++ b/ISB_Forecasting_Tutorials.pptx
@@ -300,7 +300,7 @@
           <a:p>
             <a:fld id="{96DFF08F-DC6B-4601-B491-B0F83F6DD2DA}" type="datetimeFigureOut">
               <a:rPr lang="en-US" dirty="0"/>
-              <a:t>1/31/2018</a:t>
+              <a:t>2/4/2018</a:t>
             </a:fld>
             <a:endParaRPr lang="en-US" dirty="0"/>
           </a:p>
@@ -465,7 +465,7 @@
           <a:p>
             <a:fld id="{96DFF08F-DC6B-4601-B491-B0F83F6DD2DA}" type="datetimeFigureOut">
               <a:rPr lang="en-US" dirty="0"/>
-              <a:t>1/31/2018</a:t>
+              <a:t>2/4/2018</a:t>
             </a:fld>
             <a:endParaRPr lang="en-US" dirty="0"/>
           </a:p>
@@ -683,7 +683,7 @@
           <a:p>
             <a:fld id="{96DFF08F-DC6B-4601-B491-B0F83F6DD2DA}" type="datetimeFigureOut">
               <a:rPr lang="en-US" dirty="0"/>
-              <a:t>1/31/2018</a:t>
+              <a:t>2/4/2018</a:t>
             </a:fld>
             <a:endParaRPr lang="en-US" dirty="0"/>
           </a:p>
@@ -858,7 +858,7 @@
           <a:p>
             <a:fld id="{96DFF08F-DC6B-4601-B491-B0F83F6DD2DA}" type="datetimeFigureOut">
               <a:rPr lang="en-US" dirty="0"/>
-              <a:t>1/31/2018</a:t>
+              <a:t>2/4/2018</a:t>
             </a:fld>
             <a:endParaRPr lang="en-US" dirty="0"/>
           </a:p>
@@ -1160,7 +1160,7 @@
             <a:fld id="{96DFF08F-DC6B-4601-B491-B0F83F6DD2DA}" type="datetimeFigureOut">
               <a:rPr lang="en-US" dirty="0"/>
               <a:pPr/>
-              <a:t>1/31/2018</a:t>
+              <a:t>2/4/2018</a:t>
             </a:fld>
             <a:endParaRPr lang="en-US" dirty="0"/>
           </a:p>
@@ -1460,7 +1460,7 @@
           <a:p>
             <a:fld id="{96DFF08F-DC6B-4601-B491-B0F83F6DD2DA}" type="datetimeFigureOut">
               <a:rPr lang="en-US" dirty="0"/>
-              <a:t>1/31/2018</a:t>
+              <a:t>2/4/2018</a:t>
             </a:fld>
             <a:endParaRPr lang="en-US" dirty="0"/>
           </a:p>
@@ -1877,7 +1877,7 @@
           <a:p>
             <a:fld id="{96DFF08F-DC6B-4601-B491-B0F83F6DD2DA}" type="datetimeFigureOut">
               <a:rPr lang="en-US" dirty="0"/>
-              <a:t>1/31/2018</a:t>
+              <a:t>2/4/2018</a:t>
             </a:fld>
             <a:endParaRPr lang="en-US" dirty="0"/>
           </a:p>
@@ -1990,7 +1990,7 @@
           <a:p>
             <a:fld id="{96DFF08F-DC6B-4601-B491-B0F83F6DD2DA}" type="datetimeFigureOut">
               <a:rPr lang="en-US" dirty="0"/>
-              <a:t>1/31/2018</a:t>
+              <a:t>2/4/2018</a:t>
             </a:fld>
             <a:endParaRPr lang="en-US" dirty="0"/>
           </a:p>
@@ -2080,7 +2080,7 @@
           <a:p>
             <a:fld id="{96DFF08F-DC6B-4601-B491-B0F83F6DD2DA}" type="datetimeFigureOut">
               <a:rPr lang="en-US" dirty="0"/>
-              <a:t>1/31/2018</a:t>
+              <a:t>2/4/2018</a:t>
             </a:fld>
             <a:endParaRPr lang="en-US" dirty="0"/>
           </a:p>
@@ -2348,7 +2348,7 @@
           <a:p>
             <a:fld id="{96DFF08F-DC6B-4601-B491-B0F83F6DD2DA}" type="datetimeFigureOut">
               <a:rPr lang="en-US" dirty="0"/>
-              <a:t>1/31/2018</a:t>
+              <a:t>2/4/2018</a:t>
             </a:fld>
             <a:endParaRPr lang="en-US" dirty="0"/>
           </a:p>
@@ -2608,7 +2608,7 @@
           <a:p>
             <a:fld id="{96DFF08F-DC6B-4601-B491-B0F83F6DD2DA}" type="datetimeFigureOut">
               <a:rPr lang="en-US" dirty="0"/>
-              <a:t>1/31/2018</a:t>
+              <a:t>2/4/2018</a:t>
             </a:fld>
             <a:endParaRPr lang="en-US" dirty="0"/>
           </a:p>
@@ -2853,7 +2853,7 @@
             <a:fld id="{96DFF08F-DC6B-4601-B491-B0F83F6DD2DA}" type="datetimeFigureOut">
               <a:rPr lang="en-US" dirty="0"/>
               <a:pPr/>
-              <a:t>1/31/2018</a:t>
+              <a:t>2/4/2018</a:t>
             </a:fld>
             <a:endParaRPr lang="en-US" dirty="0"/>
           </a:p>
@@ -3368,7 +3368,30 @@
           <a:p>
             <a:r>
               <a:rPr lang="en-US" dirty="0"/>
-              <a:t>02/04/2018</a:t>
+              <a:t>Email: </a:t>
+            </a:r>
+            <a:r>
+              <a:rPr lang="en-US" dirty="0">
+                <a:hlinkClick r:id="rId2"/>
+              </a:rPr>
+              <a:t>Suryanarayana_Ambatipudi_2014@cba.isb.edu</a:t>
+            </a:r>
+            <a:endParaRPr lang="en-US" dirty="0"/>
+          </a:p>
+          <a:p>
+            <a:r>
+              <a:rPr lang="en-US" dirty="0"/>
+              <a:t>Code: </a:t>
+            </a:r>
+            <a:r>
+              <a:rPr lang="en-US" dirty="0">
+                <a:hlinkClick r:id="rId3"/>
+              </a:rPr>
+              <a:t>https://github.com/asuryam/ISB-Tutorials/tree/Forecasting</a:t>
+            </a:r>
+            <a:r>
+              <a:rPr lang="en-US" dirty="0"/>
+              <a:t> </a:t>
             </a:r>
           </a:p>
         </p:txBody>

--- a/ISB_Forecasting_Tutorials.pptx
+++ b/ISB_Forecasting_Tutorials.pptx
@@ -6476,7 +6476,7 @@
           <p:nvPr>
             <p:extLst>
               <p:ext uri="{D42A27DB-BD31-4B8C-83A1-F6EECF244321}">
-                <p14:modId xmlns:p14="http://schemas.microsoft.com/office/powerpoint/2010/main" val="3334977128"/>
+                <p14:modId xmlns:p14="http://schemas.microsoft.com/office/powerpoint/2010/main" val="2847698634"/>
               </p:ext>
             </p:extLst>
           </p:nvPr>
@@ -6637,12 +6637,12 @@
                     <a:p>
                       <a:pPr algn="ctr" fontAlgn="b"/>
                       <a:r>
-                        <a:rPr lang="en-US" sz="1100" u="none" strike="noStrike">
-                          <a:effectLst/>
-                        </a:rPr>
-                        <a:t>1476.7</a:t>
-                      </a:r>
-                      <a:endParaRPr lang="en-US" sz="1100" b="0" i="0" u="none" strike="noStrike">
+                        <a:rPr lang="en-US" sz="1100" u="none" strike="noStrike" dirty="0">
+                          <a:effectLst/>
+                        </a:rPr>
+                        <a:t>1810.52</a:t>
+                      </a:r>
+                      <a:endParaRPr lang="en-US" sz="1100" b="0" i="0" u="none" strike="noStrike" dirty="0">
                         <a:solidFill>
                           <a:srgbClr val="000000"/>
                         </a:solidFill>
